--- a/ch.bfh.btx8081.w2013.blue/doc/task07/task07_presentation.pptx
+++ b/ch.bfh.btx8081.w2013.blue/doc/task07/task07_presentation.pptx
@@ -7392,6 +7392,13 @@
   <p:clrMapOvr>
     <a:masterClrMapping/>
   </p:clrMapOvr>
+  <p:timing>
+    <p:tnLst>
+      <p:par>
+        <p:cTn xmlns:p14="http://schemas.microsoft.com/office/powerpoint/2010/main" id="1" dur="indefinite" restart="never" nodeType="tmRoot"/>
+      </p:par>
+    </p:tnLst>
+  </p:timing>
 </p:sld>
 </file>
 
@@ -7454,8 +7461,8 @@
         </p:blipFill>
         <p:spPr>
           <a:xfrm>
-            <a:off x="372731" y="503238"/>
-            <a:ext cx="8324336" cy="5833595"/>
+            <a:off x="139520" y="386561"/>
+            <a:ext cx="8806035" cy="6171164"/>
           </a:xfrm>
         </p:spPr>
       </p:pic>
@@ -7469,6 +7476,13 @@
   <p:clrMapOvr>
     <a:masterClrMapping/>
   </p:clrMapOvr>
+  <p:timing>
+    <p:tnLst>
+      <p:par>
+        <p:cTn xmlns:p14="http://schemas.microsoft.com/office/powerpoint/2010/main" id="1" dur="indefinite" restart="never" nodeType="tmRoot"/>
+      </p:par>
+    </p:tnLst>
+  </p:timing>
 </p:sld>
 </file>
 
@@ -7546,6 +7560,13 @@
   <p:clrMapOvr>
     <a:masterClrMapping/>
   </p:clrMapOvr>
+  <p:timing>
+    <p:tnLst>
+      <p:par>
+        <p:cTn xmlns:p14="http://schemas.microsoft.com/office/powerpoint/2010/main" id="1" dur="indefinite" restart="never" nodeType="tmRoot"/>
+      </p:par>
+    </p:tnLst>
+  </p:timing>
 </p:sld>
 </file>
 
@@ -7623,6 +7644,13 @@
   <p:clrMapOvr>
     <a:masterClrMapping/>
   </p:clrMapOvr>
+  <p:timing>
+    <p:tnLst>
+      <p:par>
+        <p:cTn xmlns:p14="http://schemas.microsoft.com/office/powerpoint/2010/main" id="1" dur="indefinite" restart="never" nodeType="tmRoot"/>
+      </p:par>
+    </p:tnLst>
+  </p:timing>
 </p:sld>
 </file>
 

--- a/ch.bfh.btx8081.w2013.blue/doc/task07/task07_presentation.pptx
+++ b/ch.bfh.btx8081.w2013.blue/doc/task07/task07_presentation.pptx
@@ -7346,7 +7346,11 @@
             <a:pPr algn="r"/>
             <a:r>
               <a:rPr lang="de-DE" dirty="0" smtClean="0"/>
-              <a:t>Task 07 --- Team Blue</a:t>
+              <a:t>Task </a:t>
+            </a:r>
+            <a:r>
+              <a:rPr lang="de-DE" dirty="0" smtClean="0"/>
+              <a:t>07 --- Team Blue</a:t>
             </a:r>
             <a:endParaRPr lang="de-DE" dirty="0"/>
           </a:p>
@@ -7461,7 +7465,7 @@
         </p:blipFill>
         <p:spPr>
           <a:xfrm>
-            <a:off x="139520" y="386561"/>
+            <a:off x="139520" y="358949"/>
             <a:ext cx="8806035" cy="6171164"/>
           </a:xfrm>
         </p:spPr>

--- a/ch.bfh.btx8081.w2013.blue/doc/task07/task07_presentation.pptx
+++ b/ch.bfh.btx8081.w2013.blue/doc/task07/task07_presentation.pptx
@@ -343,7 +343,7 @@
           <a:p>
             <a:fld id="{2DF66AD8-BC4A-4004-9882-414398D930CA}" type="datetimeFigureOut">
               <a:rPr lang="en-US" smtClean="0"/>
-              <a:t>01.11.13</a:t>
+              <a:t>05.11.13</a:t>
             </a:fld>
             <a:endParaRPr lang="en-US"/>
           </a:p>
@@ -488,7 +488,7 @@
           <a:p>
             <a:fld id="{2DF66AD8-BC4A-4004-9882-414398D930CA}" type="datetimeFigureOut">
               <a:rPr lang="en-US" smtClean="0"/>
-              <a:t>01.11.13</a:t>
+              <a:t>05.11.13</a:t>
             </a:fld>
             <a:endParaRPr lang="en-US"/>
           </a:p>
@@ -945,7 +945,7 @@
           <a:p>
             <a:fld id="{2DF66AD8-BC4A-4004-9882-414398D930CA}" type="datetimeFigureOut">
               <a:rPr lang="en-US" smtClean="0"/>
-              <a:t>01.11.13</a:t>
+              <a:t>05.11.13</a:t>
             </a:fld>
             <a:endParaRPr lang="en-US"/>
           </a:p>
@@ -1313,7 +1313,7 @@
           <a:p>
             <a:fld id="{2DF66AD8-BC4A-4004-9882-414398D930CA}" type="datetimeFigureOut">
               <a:rPr lang="en-US" smtClean="0"/>
-              <a:t>01.11.13</a:t>
+              <a:t>05.11.13</a:t>
             </a:fld>
             <a:endParaRPr lang="en-US"/>
           </a:p>
@@ -1403,7 +1403,7 @@
           <a:p>
             <a:fld id="{2DF66AD8-BC4A-4004-9882-414398D930CA}" type="datetimeFigureOut">
               <a:rPr lang="en-US" smtClean="0"/>
-              <a:t>01.11.13</a:t>
+              <a:t>05.11.13</a:t>
             </a:fld>
             <a:endParaRPr lang="en-US"/>
           </a:p>
@@ -1681,7 +1681,7 @@
           <a:p>
             <a:fld id="{2DF66AD8-BC4A-4004-9882-414398D930CA}" type="datetimeFigureOut">
               <a:rPr lang="en-US" smtClean="0"/>
-              <a:t>01.11.13</a:t>
+              <a:t>05.11.13</a:t>
             </a:fld>
             <a:endParaRPr lang="en-US"/>
           </a:p>
@@ -1874,7 +1874,7 @@
           <a:p>
             <a:fld id="{2DF66AD8-BC4A-4004-9882-414398D930CA}" type="datetimeFigureOut">
               <a:rPr lang="en-US" smtClean="0"/>
-              <a:t>01.11.13</a:t>
+              <a:t>05.11.13</a:t>
             </a:fld>
             <a:endParaRPr lang="en-US"/>
           </a:p>
@@ -2616,7 +2616,7 @@
           <a:p>
             <a:fld id="{2DF66AD8-BC4A-4004-9882-414398D930CA}" type="datetimeFigureOut">
               <a:rPr lang="en-US" smtClean="0"/>
-              <a:t>01.11.13</a:t>
+              <a:t>05.11.13</a:t>
             </a:fld>
             <a:endParaRPr lang="en-US"/>
           </a:p>
@@ -2954,7 +2954,7 @@
           <a:p>
             <a:fld id="{2DF66AD8-BC4A-4004-9882-414398D930CA}" type="datetimeFigureOut">
               <a:rPr lang="en-US" smtClean="0"/>
-              <a:t>01.11.13</a:t>
+              <a:t>05.11.13</a:t>
             </a:fld>
             <a:endParaRPr lang="en-US"/>
           </a:p>
@@ -3551,7 +3551,7 @@
           <a:p>
             <a:fld id="{2DF66AD8-BC4A-4004-9882-414398D930CA}" type="datetimeFigureOut">
               <a:rPr lang="en-US" smtClean="0"/>
-              <a:t>01.11.13</a:t>
+              <a:t>05.11.13</a:t>
             </a:fld>
             <a:endParaRPr lang="en-US"/>
           </a:p>
@@ -3734,7 +3734,7 @@
           <a:p>
             <a:fld id="{2DF66AD8-BC4A-4004-9882-414398D930CA}" type="datetimeFigureOut">
               <a:rPr lang="en-US" smtClean="0"/>
-              <a:t>01.11.13</a:t>
+              <a:t>05.11.13</a:t>
             </a:fld>
             <a:endParaRPr lang="en-US"/>
           </a:p>
@@ -3903,7 +3903,7 @@
           <a:p>
             <a:fld id="{2DF66AD8-BC4A-4004-9882-414398D930CA}" type="datetimeFigureOut">
               <a:rPr lang="en-US" smtClean="0"/>
-              <a:t>01.11.13</a:t>
+              <a:t>05.11.13</a:t>
             </a:fld>
             <a:endParaRPr lang="en-US"/>
           </a:p>
@@ -4096,7 +4096,7 @@
           <a:p>
             <a:fld id="{2DF66AD8-BC4A-4004-9882-414398D930CA}" type="datetimeFigureOut">
               <a:rPr lang="en-US" smtClean="0"/>
-              <a:t>01.11.13</a:t>
+              <a:t>05.11.13</a:t>
             </a:fld>
             <a:endParaRPr lang="en-US"/>
           </a:p>
@@ -4515,7 +4515,7 @@
           <a:p>
             <a:fld id="{2DF66AD8-BC4A-4004-9882-414398D930CA}" type="datetimeFigureOut">
               <a:rPr lang="en-US" smtClean="0"/>
-              <a:t>01.11.13</a:t>
+              <a:t>05.11.13</a:t>
             </a:fld>
             <a:endParaRPr lang="en-US"/>
           </a:p>
@@ -4813,7 +4813,7 @@
           <a:p>
             <a:fld id="{2DF66AD8-BC4A-4004-9882-414398D930CA}" type="datetimeFigureOut">
               <a:rPr lang="en-US" smtClean="0"/>
-              <a:t>01.11.13</a:t>
+              <a:t>05.11.13</a:t>
             </a:fld>
             <a:endParaRPr lang="en-US"/>
           </a:p>
@@ -5214,7 +5214,7 @@
           <a:p>
             <a:fld id="{2DF66AD8-BC4A-4004-9882-414398D930CA}" type="datetimeFigureOut">
               <a:rPr lang="en-US" smtClean="0"/>
-              <a:t>01.11.13</a:t>
+              <a:t>05.11.13</a:t>
             </a:fld>
             <a:endParaRPr lang="en-US"/>
           </a:p>
@@ -5604,7 +5604,7 @@
           <a:p>
             <a:fld id="{2DF66AD8-BC4A-4004-9882-414398D930CA}" type="datetimeFigureOut">
               <a:rPr lang="en-US" smtClean="0"/>
-              <a:t>01.11.13</a:t>
+              <a:t>05.11.13</a:t>
             </a:fld>
             <a:endParaRPr lang="en-US"/>
           </a:p>
@@ -5887,7 +5887,7 @@
           <a:p>
             <a:fld id="{2DF66AD8-BC4A-4004-9882-414398D930CA}" type="datetimeFigureOut">
               <a:rPr lang="en-US" smtClean="0"/>
-              <a:t>01.11.13</a:t>
+              <a:t>05.11.13</a:t>
             </a:fld>
             <a:endParaRPr lang="en-US"/>
           </a:p>
@@ -6326,7 +6326,7 @@
           <a:p>
             <a:fld id="{2DF66AD8-BC4A-4004-9882-414398D930CA}" type="datetimeFigureOut">
               <a:rPr lang="en-US" smtClean="0"/>
-              <a:t>01.11.13</a:t>
+              <a:t>05.11.13</a:t>
             </a:fld>
             <a:endParaRPr lang="en-US"/>
           </a:p>
@@ -6620,7 +6620,7 @@
           <a:p>
             <a:fld id="{2DF66AD8-BC4A-4004-9882-414398D930CA}" type="datetimeFigureOut">
               <a:rPr lang="en-US" smtClean="0"/>
-              <a:t>01.11.13</a:t>
+              <a:t>05.11.13</a:t>
             </a:fld>
             <a:endParaRPr lang="en-US"/>
           </a:p>
@@ -6912,7 +6912,7 @@
           <a:p>
             <a:fld id="{2DF66AD8-BC4A-4004-9882-414398D930CA}" type="datetimeFigureOut">
               <a:rPr lang="en-US" smtClean="0"/>
-              <a:t>01.11.13</a:t>
+              <a:t>05.11.13</a:t>
             </a:fld>
             <a:endParaRPr lang="en-US"/>
           </a:p>
@@ -7346,11 +7346,7 @@
             <a:pPr algn="r"/>
             <a:r>
               <a:rPr lang="de-DE" dirty="0" smtClean="0"/>
-              <a:t>Task </a:t>
-            </a:r>
-            <a:r>
-              <a:rPr lang="de-DE" dirty="0" smtClean="0"/>
-              <a:t>07 --- Team Blue</a:t>
+              <a:t>Task 07 --- Team Blue</a:t>
             </a:r>
             <a:endParaRPr lang="de-DE" dirty="0"/>
           </a:p>
@@ -7465,7 +7461,7 @@
         </p:blipFill>
         <p:spPr>
           <a:xfrm>
-            <a:off x="139520" y="358949"/>
+            <a:off x="139520" y="262309"/>
             <a:ext cx="8806035" cy="6171164"/>
           </a:xfrm>
         </p:spPr>
